--- a/assets/lectures/cshl/2021/mini/RNASeq_MiniLecture_02_01_Alignment.pptx
+++ b/assets/lectures/cshl/2021/mini/RNASeq_MiniLecture_02_01_Alignment.pptx
@@ -213,7 +213,7 @@
           <a:p>
             <a:fld id="{827BD9F9-8452-A342-BB1B-28ECF19E2CC5}" type="datetimeFigureOut">
               <a:rPr lang="en-US" smtClean="0"/>
-              <a:t>11/13/20</a:t>
+              <a:t>11/10/21</a:t>
             </a:fld>
             <a:endParaRPr lang="en-US"/>
           </a:p>
@@ -2345,14 +2345,14 @@
           </a:ln>
           <a:extLst>
             <a:ext uri="{909E8E84-426E-40dd-AFC4-6F175D3DCCD1}">
-              <a14:hiddenFill xmlns="" xmlns:a14="http://schemas.microsoft.com/office/drawing/2010/main">
+              <a14:hiddenFill xmlns:a14="http://schemas.microsoft.com/office/drawing/2010/main" xmlns="">
                 <a:solidFill>
                   <a:srgbClr val="FFFFFF"/>
                 </a:solidFill>
               </a14:hiddenFill>
             </a:ext>
             <a:ext uri="{91240B29-F687-4f45-9708-019B960494DF}">
-              <a14:hiddenLine xmlns="" xmlns:a14="http://schemas.microsoft.com/office/drawing/2010/main" w="9525">
+              <a14:hiddenLine xmlns:a14="http://schemas.microsoft.com/office/drawing/2010/main" xmlns="" w="9525">
                 <a:solidFill>
                   <a:srgbClr val="000000"/>
                 </a:solidFill>
@@ -2847,14 +2847,14 @@
           </a:ln>
           <a:extLst>
             <a:ext uri="{909E8E84-426E-40dd-AFC4-6F175D3DCCD1}">
-              <a14:hiddenFill xmlns="" xmlns:a14="http://schemas.microsoft.com/office/drawing/2010/main">
+              <a14:hiddenFill xmlns:a14="http://schemas.microsoft.com/office/drawing/2010/main" xmlns="">
                 <a:solidFill>
                   <a:srgbClr val="FFFFFF"/>
                 </a:solidFill>
               </a14:hiddenFill>
             </a:ext>
             <a:ext uri="{91240B29-F687-4f45-9708-019B960494DF}">
-              <a14:hiddenLine xmlns="" xmlns:a14="http://schemas.microsoft.com/office/drawing/2010/main" w="9525">
+              <a14:hiddenLine xmlns:a14="http://schemas.microsoft.com/office/drawing/2010/main" xmlns="" w="9525">
                 <a:solidFill>
                   <a:srgbClr val="000000"/>
                 </a:solidFill>
@@ -5058,14 +5058,14 @@
           </a:ln>
           <a:extLst>
             <a:ext uri="{909E8E84-426E-40dd-AFC4-6F175D3DCCD1}">
-              <a14:hiddenFill xmlns="" xmlns:a14="http://schemas.microsoft.com/office/drawing/2010/main">
+              <a14:hiddenFill xmlns:a14="http://schemas.microsoft.com/office/drawing/2010/main" xmlns="">
                 <a:solidFill>
                   <a:srgbClr val="FFFFFF"/>
                 </a:solidFill>
               </a14:hiddenFill>
             </a:ext>
             <a:ext uri="{91240B29-F687-4f45-9708-019B960494DF}">
-              <a14:hiddenLine xmlns="" xmlns:a14="http://schemas.microsoft.com/office/drawing/2010/main" w="9525">
+              <a14:hiddenLine xmlns:a14="http://schemas.microsoft.com/office/drawing/2010/main" xmlns="" w="9525">
                 <a:solidFill>
                   <a:srgbClr val="000000"/>
                 </a:solidFill>
@@ -5952,14 +5952,14 @@
           </a:ln>
           <a:extLst>
             <a:ext uri="{909E8E84-426E-40dd-AFC4-6F175D3DCCD1}">
-              <a14:hiddenFill xmlns:a14="http://schemas.microsoft.com/office/drawing/2010/main" xmlns="">
+              <a14:hiddenFill xmlns="" xmlns:a14="http://schemas.microsoft.com/office/drawing/2010/main">
                 <a:solidFill>
                   <a:srgbClr val="FFFFFF"/>
                 </a:solidFill>
               </a14:hiddenFill>
             </a:ext>
             <a:ext uri="{91240B29-F687-4f45-9708-019B960494DF}">
-              <a14:hiddenLine xmlns:a14="http://schemas.microsoft.com/office/drawing/2010/main" xmlns="" w="9525">
+              <a14:hiddenLine xmlns="" xmlns:a14="http://schemas.microsoft.com/office/drawing/2010/main" w="9525">
                 <a:solidFill>
                   <a:srgbClr val="000000"/>
                 </a:solidFill>
@@ -6051,21 +6051,49 @@
                 <a:latin typeface="Calibri"/>
                 <a:cs typeface="Calibri"/>
               </a:rPr>
-              <a:t>John Chamberlin, </a:t>
+              <a:t>Kelsy Cotto, Arpad </a:t>
             </a:r>
             <a:r>
               <a:rPr lang="en-US" sz="1800" dirty="0" err="1">
                 <a:latin typeface="Calibri"/>
                 <a:cs typeface="Calibri"/>
               </a:rPr>
-              <a:t>Kelsy</a:t>
+              <a:t>Danos</a:t>
             </a:r>
             <a:r>
               <a:rPr lang="en-US" sz="1800" dirty="0">
                 <a:latin typeface="Calibri"/>
                 <a:cs typeface="Calibri"/>
               </a:rPr>
-              <a:t> Cotto, Felicia Gomez, Obi Griffith, Malachi Griffith, </a:t>
+              <a:t>, Harriet </a:t>
+            </a:r>
+            <a:r>
+              <a:rPr lang="en-US" sz="1800" dirty="0" err="1">
+                <a:latin typeface="Calibri"/>
+                <a:cs typeface="Calibri"/>
+              </a:rPr>
+              <a:t>Dashnow</a:t>
+            </a:r>
+            <a:r>
+              <a:rPr lang="en-US" sz="1800" dirty="0">
+                <a:latin typeface="Calibri"/>
+                <a:cs typeface="Calibri"/>
+              </a:rPr>
+              <a:t>, Felicia Gomez, Sharon </a:t>
+            </a:r>
+            <a:r>
+              <a:rPr lang="en-US" sz="1800" dirty="0" err="1">
+                <a:latin typeface="Calibri"/>
+                <a:cs typeface="Calibri"/>
+              </a:rPr>
+              <a:t>Freshour</a:t>
+            </a:r>
+            <a:r>
+              <a:rPr lang="en-US" sz="1800" dirty="0">
+                <a:latin typeface="Calibri"/>
+                <a:cs typeface="Calibri"/>
+              </a:rPr>
+              <a:t>, Obi Griffith, </a:t>
             </a:r>
           </a:p>
           <a:p>
@@ -6077,21 +6105,35 @@
                 <a:latin typeface="Calibri"/>
                 <a:cs typeface="Calibri"/>
               </a:rPr>
-              <a:t>Simone Longo, Allegra Petti, Aaron Quinlan, Megan </a:t>
+              <a:t>Malachi Griffith, Jason </a:t>
             </a:r>
             <a:r>
               <a:rPr lang="en-US" sz="1800" dirty="0" err="1">
                 <a:latin typeface="Calibri"/>
                 <a:cs typeface="Calibri"/>
               </a:rPr>
-              <a:t>Richters</a:t>
+              <a:t>Kunisaki</a:t>
             </a:r>
             <a:r>
               <a:rPr lang="en-US" sz="1800" dirty="0">
                 <a:latin typeface="Calibri"/>
                 <a:cs typeface="Calibri"/>
               </a:rPr>
-              <a:t>, Huiming Xia</a:t>
+              <a:t>, Chris Miller, Jonathan </a:t>
+            </a:r>
+            <a:r>
+              <a:rPr lang="en-US" sz="1800" dirty="0" err="1">
+                <a:latin typeface="Calibri"/>
+                <a:cs typeface="Calibri"/>
+              </a:rPr>
+              <a:t>Preall</a:t>
+            </a:r>
+            <a:r>
+              <a:rPr lang="en-US" sz="1800" dirty="0">
+                <a:latin typeface="Calibri"/>
+                <a:cs typeface="Calibri"/>
+              </a:rPr>
+              <a:t>, Aaron Quinlan</a:t>
             </a:r>
           </a:p>
           <a:p>
@@ -6099,7 +6141,7 @@
               <a:defRPr/>
             </a:pPr>
             <a:r>
-              <a:rPr lang="en-US" sz="1800" dirty="0">
+              <a:rPr lang="en-US" sz="1800">
                 <a:ln w="1270">
                   <a:solidFill>
                     <a:schemeClr val="tx1">
@@ -6113,7 +6155,7 @@
               <a:t>Advanced Sequencing Technologies &amp; Bioinformatics Analysis </a:t>
             </a:r>
             <a:r>
-              <a:rPr lang="en-US" sz="1600" dirty="0">
+              <a:rPr lang="en-US" sz="1600">
                 <a:ln w="1270">
                   <a:solidFill>
                     <a:schemeClr val="tx1">
@@ -6124,8 +6166,19 @@
                 <a:latin typeface="Calibri"/>
                 <a:cs typeface="Calibri"/>
               </a:rPr>
-              <a:t>November 16-20, 2020</a:t>
-            </a:r>
+              <a:t>November 11-19, 2021</a:t>
+            </a:r>
+            <a:endParaRPr lang="en-US" sz="1600" dirty="0">
+              <a:ln w="1270">
+                <a:solidFill>
+                  <a:schemeClr val="tx1">
+                    <a:alpha val="38000"/>
+                  </a:schemeClr>
+                </a:solidFill>
+              </a:ln>
+              <a:latin typeface="Calibri"/>
+              <a:cs typeface="Calibri"/>
+            </a:endParaRPr>
           </a:p>
         </p:txBody>
       </p:sp>
@@ -6635,14 +6688,14 @@
           </a:ln>
           <a:extLst>
             <a:ext uri="{909E8E84-426E-40dd-AFC4-6F175D3DCCD1}">
-              <a14:hiddenFill xmlns="" xmlns:a14="http://schemas.microsoft.com/office/drawing/2010/main">
+              <a14:hiddenFill xmlns:a14="http://schemas.microsoft.com/office/drawing/2010/main" xmlns="">
                 <a:solidFill>
                   <a:srgbClr val="FFFFFF"/>
                 </a:solidFill>
               </a14:hiddenFill>
             </a:ext>
             <a:ext uri="{91240B29-F687-4f45-9708-019B960494DF}">
-              <a14:hiddenLine xmlns="" xmlns:a14="http://schemas.microsoft.com/office/drawing/2010/main" w="9525">
+              <a14:hiddenLine xmlns:a14="http://schemas.microsoft.com/office/drawing/2010/main" xmlns="" w="9525">
                 <a:solidFill>
                   <a:srgbClr val="000000"/>
                 </a:solidFill>
@@ -7054,14 +7107,14 @@
           </a:ln>
           <a:extLst>
             <a:ext uri="{909E8E84-426E-40dd-AFC4-6F175D3DCCD1}">
-              <a14:hiddenFill xmlns="" xmlns:a14="http://schemas.microsoft.com/office/drawing/2010/main">
+              <a14:hiddenFill xmlns:a14="http://schemas.microsoft.com/office/drawing/2010/main" xmlns="">
                 <a:solidFill>
                   <a:srgbClr val="FFFFFF"/>
                 </a:solidFill>
               </a14:hiddenFill>
             </a:ext>
             <a:ext uri="{91240B29-F687-4f45-9708-019B960494DF}">
-              <a14:hiddenLine xmlns="" xmlns:a14="http://schemas.microsoft.com/office/drawing/2010/main" w="9525">
+              <a14:hiddenLine xmlns:a14="http://schemas.microsoft.com/office/drawing/2010/main" xmlns="" w="9525">
                 <a:solidFill>
                   <a:srgbClr val="000000"/>
                 </a:solidFill>
@@ -7533,14 +7586,14 @@
           </a:ln>
           <a:extLst>
             <a:ext uri="{909E8E84-426E-40dd-AFC4-6F175D3DCCD1}">
-              <a14:hiddenFill xmlns="" xmlns:a14="http://schemas.microsoft.com/office/drawing/2010/main">
+              <a14:hiddenFill xmlns:a14="http://schemas.microsoft.com/office/drawing/2010/main" xmlns="">
                 <a:solidFill>
                   <a:srgbClr val="FFFFFF"/>
                 </a:solidFill>
               </a14:hiddenFill>
             </a:ext>
             <a:ext uri="{91240B29-F687-4f45-9708-019B960494DF}">
-              <a14:hiddenLine xmlns="" xmlns:a14="http://schemas.microsoft.com/office/drawing/2010/main" w="9525">
+              <a14:hiddenLine xmlns:a14="http://schemas.microsoft.com/office/drawing/2010/main" xmlns="" w="9525">
                 <a:solidFill>
                   <a:srgbClr val="000000"/>
                 </a:solidFill>
@@ -8002,14 +8055,14 @@
           </a:ln>
           <a:extLst>
             <a:ext uri="{909E8E84-426E-40dd-AFC4-6F175D3DCCD1}">
-              <a14:hiddenFill xmlns="" xmlns:a14="http://schemas.microsoft.com/office/drawing/2010/main">
+              <a14:hiddenFill xmlns:a14="http://schemas.microsoft.com/office/drawing/2010/main" xmlns="">
                 <a:solidFill>
                   <a:srgbClr val="FFFFFF"/>
                 </a:solidFill>
               </a14:hiddenFill>
             </a:ext>
             <a:ext uri="{91240B29-F687-4f45-9708-019B960494DF}">
-              <a14:hiddenLine xmlns="" xmlns:a14="http://schemas.microsoft.com/office/drawing/2010/main" w="9525">
+              <a14:hiddenLine xmlns:a14="http://schemas.microsoft.com/office/drawing/2010/main" xmlns="" w="9525">
                 <a:solidFill>
                   <a:srgbClr val="000000"/>
                 </a:solidFill>
@@ -10727,14 +10780,14 @@
           </a:ln>
           <a:extLst>
             <a:ext uri="{909E8E84-426E-40dd-AFC4-6F175D3DCCD1}">
-              <a14:hiddenFill xmlns="" xmlns:a14="http://schemas.microsoft.com/office/drawing/2010/main">
+              <a14:hiddenFill xmlns:a14="http://schemas.microsoft.com/office/drawing/2010/main" xmlns="">
                 <a:solidFill>
                   <a:srgbClr val="FFFFFF"/>
                 </a:solidFill>
               </a14:hiddenFill>
             </a:ext>
             <a:ext uri="{91240B29-F687-4f45-9708-019B960494DF}">
-              <a14:hiddenLine xmlns="" xmlns:a14="http://schemas.microsoft.com/office/drawing/2010/main" w="9525">
+              <a14:hiddenLine xmlns:a14="http://schemas.microsoft.com/office/drawing/2010/main" xmlns="" w="9525">
                 <a:solidFill>
                   <a:srgbClr val="000000"/>
                 </a:solidFill>
@@ -10744,7 +10797,7 @@
               </a14:hiddenLine>
             </a:ext>
             <a:ext uri="{FAA26D3D-D897-4be2-8F04-BA451C77F1D7}">
-              <ma14:placeholderFlag xmlns="" xmlns:ma14="http://schemas.microsoft.com/office/mac/drawingml/2011/main" val="1"/>
+              <ma14:placeholderFlag xmlns:ma14="http://schemas.microsoft.com/office/mac/drawingml/2011/main" xmlns="" val="1"/>
             </a:ext>
           </a:extLst>
         </p:spPr>
@@ -10784,14 +10837,14 @@
           </a:ln>
           <a:extLst>
             <a:ext uri="{909E8E84-426E-40dd-AFC4-6F175D3DCCD1}">
-              <a14:hiddenFill xmlns="" xmlns:a14="http://schemas.microsoft.com/office/drawing/2010/main">
+              <a14:hiddenFill xmlns:a14="http://schemas.microsoft.com/office/drawing/2010/main" xmlns="">
                 <a:solidFill>
                   <a:srgbClr val="FFFFFF"/>
                 </a:solidFill>
               </a14:hiddenFill>
             </a:ext>
             <a:ext uri="{91240B29-F687-4f45-9708-019B960494DF}">
-              <a14:hiddenLine xmlns="" xmlns:a14="http://schemas.microsoft.com/office/drawing/2010/main" w="9525">
+              <a14:hiddenLine xmlns:a14="http://schemas.microsoft.com/office/drawing/2010/main" xmlns="" w="9525">
                 <a:solidFill>
                   <a:srgbClr val="000000"/>
                 </a:solidFill>
@@ -10801,7 +10854,7 @@
               </a14:hiddenLine>
             </a:ext>
             <a:ext uri="{FAA26D3D-D897-4be2-8F04-BA451C77F1D7}">
-              <ma14:placeholderFlag xmlns="" xmlns:ma14="http://schemas.microsoft.com/office/mac/drawingml/2011/main" val="1"/>
+              <ma14:placeholderFlag xmlns:ma14="http://schemas.microsoft.com/office/mac/drawingml/2011/main" xmlns="" val="1"/>
             </a:ext>
           </a:extLst>
         </p:spPr>
@@ -10828,14 +10881,14 @@
           </a:ln>
           <a:extLst>
             <a:ext uri="{909E8E84-426E-40dd-AFC4-6F175D3DCCD1}">
-              <a14:hiddenFill xmlns="" xmlns:a14="http://schemas.microsoft.com/office/drawing/2010/main">
+              <a14:hiddenFill xmlns:a14="http://schemas.microsoft.com/office/drawing/2010/main" xmlns="">
                 <a:solidFill>
                   <a:srgbClr val="FFFFFF"/>
                 </a:solidFill>
               </a14:hiddenFill>
             </a:ext>
             <a:ext uri="{91240B29-F687-4f45-9708-019B960494DF}">
-              <a14:hiddenLine xmlns="" xmlns:a14="http://schemas.microsoft.com/office/drawing/2010/main" w="9525">
+              <a14:hiddenLine xmlns:a14="http://schemas.microsoft.com/office/drawing/2010/main" xmlns="" w="9525">
                 <a:solidFill>
                   <a:srgbClr val="000000"/>
                 </a:solidFill>
@@ -11081,14 +11134,14 @@
           </a:ln>
           <a:extLst>
             <a:ext uri="{909E8E84-426E-40dd-AFC4-6F175D3DCCD1}">
-              <a14:hiddenFill xmlns="" xmlns:a14="http://schemas.microsoft.com/office/drawing/2010/main">
+              <a14:hiddenFill xmlns:a14="http://schemas.microsoft.com/office/drawing/2010/main" xmlns="">
                 <a:solidFill>
                   <a:srgbClr val="FFFFFF"/>
                 </a:solidFill>
               </a14:hiddenFill>
             </a:ext>
             <a:ext uri="{91240B29-F687-4f45-9708-019B960494DF}">
-              <a14:hiddenLine xmlns="" xmlns:a14="http://schemas.microsoft.com/office/drawing/2010/main" w="9525">
+              <a14:hiddenLine xmlns:a14="http://schemas.microsoft.com/office/drawing/2010/main" xmlns="" w="9525">
                 <a:solidFill>
                   <a:srgbClr val="000000"/>
                 </a:solidFill>
@@ -11270,14 +11323,14 @@
           </a:ln>
           <a:extLst>
             <a:ext uri="{909E8E84-426E-40dd-AFC4-6F175D3DCCD1}">
-              <a14:hiddenFill xmlns="" xmlns:a14="http://schemas.microsoft.com/office/drawing/2010/main">
+              <a14:hiddenFill xmlns:a14="http://schemas.microsoft.com/office/drawing/2010/main" xmlns="">
                 <a:solidFill>
                   <a:srgbClr val="FFFFFF"/>
                 </a:solidFill>
               </a14:hiddenFill>
             </a:ext>
             <a:ext uri="{91240B29-F687-4f45-9708-019B960494DF}">
-              <a14:hiddenLine xmlns="" xmlns:a14="http://schemas.microsoft.com/office/drawing/2010/main" w="9525">
+              <a14:hiddenLine xmlns:a14="http://schemas.microsoft.com/office/drawing/2010/main" xmlns="" w="9525">
                 <a:solidFill>
                   <a:srgbClr val="000000"/>
                 </a:solidFill>
@@ -11459,14 +11512,14 @@
           </a:ln>
           <a:extLst>
             <a:ext uri="{909E8E84-426E-40dd-AFC4-6F175D3DCCD1}">
-              <a14:hiddenFill xmlns="" xmlns:a14="http://schemas.microsoft.com/office/drawing/2010/main">
+              <a14:hiddenFill xmlns:a14="http://schemas.microsoft.com/office/drawing/2010/main" xmlns="">
                 <a:solidFill>
                   <a:srgbClr val="FFFFFF"/>
                 </a:solidFill>
               </a14:hiddenFill>
             </a:ext>
             <a:ext uri="{91240B29-F687-4f45-9708-019B960494DF}">
-              <a14:hiddenLine xmlns="" xmlns:a14="http://schemas.microsoft.com/office/drawing/2010/main" w="9525">
+              <a14:hiddenLine xmlns:a14="http://schemas.microsoft.com/office/drawing/2010/main" xmlns="" w="9525">
                 <a:solidFill>
                   <a:srgbClr val="000000"/>
                 </a:solidFill>
@@ -12002,14 +12055,14 @@
           </a:ln>
           <a:extLst>
             <a:ext uri="{909E8E84-426E-40dd-AFC4-6F175D3DCCD1}">
-              <a14:hiddenFill xmlns="" xmlns:a14="http://schemas.microsoft.com/office/drawing/2010/main">
+              <a14:hiddenFill xmlns:a14="http://schemas.microsoft.com/office/drawing/2010/main" xmlns="">
                 <a:solidFill>
                   <a:srgbClr val="FFFFFF"/>
                 </a:solidFill>
               </a14:hiddenFill>
             </a:ext>
             <a:ext uri="{91240B29-F687-4f45-9708-019B960494DF}">
-              <a14:hiddenLine xmlns="" xmlns:a14="http://schemas.microsoft.com/office/drawing/2010/main" w="9525">
+              <a14:hiddenLine xmlns:a14="http://schemas.microsoft.com/office/drawing/2010/main" xmlns="" w="9525">
                 <a:solidFill>
                   <a:srgbClr val="000000"/>
                 </a:solidFill>
@@ -12554,14 +12607,14 @@
           </a:ln>
           <a:extLst>
             <a:ext uri="{909E8E84-426E-40dd-AFC4-6F175D3DCCD1}">
-              <a14:hiddenFill xmlns="" xmlns:a14="http://schemas.microsoft.com/office/drawing/2010/main">
+              <a14:hiddenFill xmlns:a14="http://schemas.microsoft.com/office/drawing/2010/main" xmlns="">
                 <a:solidFill>
                   <a:srgbClr val="FFFFFF"/>
                 </a:solidFill>
               </a14:hiddenFill>
             </a:ext>
             <a:ext uri="{91240B29-F687-4f45-9708-019B960494DF}">
-              <a14:hiddenLine xmlns="" xmlns:a14="http://schemas.microsoft.com/office/drawing/2010/main" w="9525">
+              <a14:hiddenLine xmlns:a14="http://schemas.microsoft.com/office/drawing/2010/main" xmlns="" w="9525">
                 <a:solidFill>
                   <a:srgbClr val="000000"/>
                 </a:solidFill>
@@ -12881,14 +12934,14 @@
           </a:ln>
           <a:extLst>
             <a:ext uri="{909E8E84-426E-40dd-AFC4-6F175D3DCCD1}">
-              <a14:hiddenFill xmlns="" xmlns:a14="http://schemas.microsoft.com/office/drawing/2010/main">
+              <a14:hiddenFill xmlns:a14="http://schemas.microsoft.com/office/drawing/2010/main" xmlns="">
                 <a:solidFill>
                   <a:srgbClr val="FFFFFF"/>
                 </a:solidFill>
               </a14:hiddenFill>
             </a:ext>
             <a:ext uri="{91240B29-F687-4f45-9708-019B960494DF}">
-              <a14:hiddenLine xmlns="" xmlns:a14="http://schemas.microsoft.com/office/drawing/2010/main" w="9525">
+              <a14:hiddenLine xmlns:a14="http://schemas.microsoft.com/office/drawing/2010/main" xmlns="" w="9525">
                 <a:solidFill>
                   <a:srgbClr val="000000"/>
                 </a:solidFill>
